--- a/WoodMasterPrezentacia.pptx
+++ b/WoodMasterPrezentacia.pptx
@@ -4,6 +4,9 @@
   <p:sldMasterIdLst>
     <p:sldMasterId id="2147483827" r:id="rId1"/>
   </p:sldMasterIdLst>
+  <p:notesMasterIdLst>
+    <p:notesMasterId r:id="rId29"/>
+  </p:notesMasterIdLst>
   <p:sldIdLst>
     <p:sldId id="256" r:id="rId2"/>
     <p:sldId id="257" r:id="rId3"/>
@@ -138,6 +141,355 @@
 </p:presentation>
 </file>
 
+<file path=ppt/notesMasters/notesMaster1.xml><?xml version="1.0" encoding="utf-8"?>
+<p:notesMaster xmlns:a="http://schemas.openxmlformats.org/drawingml/2006/main" xmlns:r="http://schemas.openxmlformats.org/officeDocument/2006/relationships" xmlns:p="http://schemas.openxmlformats.org/presentationml/2006/main">
+  <p:cSld>
+    <p:bg>
+      <p:bgRef idx="1001">
+        <a:schemeClr val="bg1"/>
+      </p:bgRef>
+    </p:bg>
+    <p:spTree>
+      <p:nvGrpSpPr>
+        <p:cNvPr id="1" name=""/>
+        <p:cNvGrpSpPr/>
+        <p:nvPr/>
+      </p:nvGrpSpPr>
+      <p:grpSpPr>
+        <a:xfrm>
+          <a:off x="0" y="0"/>
+          <a:ext cx="0" cy="0"/>
+          <a:chOff x="0" y="0"/>
+          <a:chExt cx="0" cy="0"/>
+        </a:xfrm>
+      </p:grpSpPr>
+      <p:sp>
+        <p:nvSpPr>
+          <p:cNvPr id="2" name="Zástupný objekt pre hlavičku 1"/>
+          <p:cNvSpPr>
+            <a:spLocks noGrp="1"/>
+          </p:cNvSpPr>
+          <p:nvPr>
+            <p:ph type="hdr" sz="quarter"/>
+          </p:nvPr>
+        </p:nvSpPr>
+        <p:spPr>
+          <a:xfrm>
+            <a:off x="0" y="0"/>
+            <a:ext cx="2971800" cy="458788"/>
+          </a:xfrm>
+          <a:prstGeom prst="rect">
+            <a:avLst/>
+          </a:prstGeom>
+        </p:spPr>
+        <p:txBody>
+          <a:bodyPr vert="horz" lIns="91440" tIns="45720" rIns="91440" bIns="45720" rtlCol="0"/>
+          <a:lstStyle>
+            <a:lvl1pPr algn="l">
+              <a:defRPr sz="1200"/>
+            </a:lvl1pPr>
+          </a:lstStyle>
+          <a:p>
+            <a:endParaRPr lang="sk-SK"/>
+          </a:p>
+        </p:txBody>
+      </p:sp>
+      <p:sp>
+        <p:nvSpPr>
+          <p:cNvPr id="3" name="Zástupný objekt pre dátum 2"/>
+          <p:cNvSpPr>
+            <a:spLocks noGrp="1"/>
+          </p:cNvSpPr>
+          <p:nvPr>
+            <p:ph type="dt" idx="1"/>
+          </p:nvPr>
+        </p:nvSpPr>
+        <p:spPr>
+          <a:xfrm>
+            <a:off x="3884613" y="0"/>
+            <a:ext cx="2971800" cy="458788"/>
+          </a:xfrm>
+          <a:prstGeom prst="rect">
+            <a:avLst/>
+          </a:prstGeom>
+        </p:spPr>
+        <p:txBody>
+          <a:bodyPr vert="horz" lIns="91440" tIns="45720" rIns="91440" bIns="45720" rtlCol="0"/>
+          <a:lstStyle>
+            <a:lvl1pPr algn="r">
+              <a:defRPr sz="1200"/>
+            </a:lvl1pPr>
+          </a:lstStyle>
+          <a:p>
+            <a:fld id="{E54C3931-9DA2-411A-BBB8-5C57DD106CCA}" type="datetimeFigureOut">
+              <a:rPr lang="sk-SK" smtClean="0"/>
+              <a:t>11. 12. 2018</a:t>
+            </a:fld>
+            <a:endParaRPr lang="sk-SK"/>
+          </a:p>
+        </p:txBody>
+      </p:sp>
+      <p:sp>
+        <p:nvSpPr>
+          <p:cNvPr id="4" name="Zástupný objekt pre obrázok snímky 3"/>
+          <p:cNvSpPr>
+            <a:spLocks noGrp="1" noRot="1" noChangeAspect="1"/>
+          </p:cNvSpPr>
+          <p:nvPr>
+            <p:ph type="sldImg" idx="2"/>
+          </p:nvPr>
+        </p:nvSpPr>
+        <p:spPr>
+          <a:xfrm>
+            <a:off x="685800" y="1143000"/>
+            <a:ext cx="5486400" cy="3086100"/>
+          </a:xfrm>
+          <a:prstGeom prst="rect">
+            <a:avLst/>
+          </a:prstGeom>
+          <a:noFill/>
+          <a:ln w="12700">
+            <a:solidFill>
+              <a:prstClr val="black"/>
+            </a:solidFill>
+          </a:ln>
+        </p:spPr>
+        <p:txBody>
+          <a:bodyPr vert="horz" lIns="91440" tIns="45720" rIns="91440" bIns="45720" rtlCol="0" anchor="ctr"/>
+          <a:lstStyle/>
+          <a:p>
+            <a:endParaRPr lang="sk-SK"/>
+          </a:p>
+        </p:txBody>
+      </p:sp>
+      <p:sp>
+        <p:nvSpPr>
+          <p:cNvPr id="5" name="Zástupný objekt pre poznámky 4"/>
+          <p:cNvSpPr>
+            <a:spLocks noGrp="1"/>
+          </p:cNvSpPr>
+          <p:nvPr>
+            <p:ph type="body" sz="quarter" idx="3"/>
+          </p:nvPr>
+        </p:nvSpPr>
+        <p:spPr>
+          <a:xfrm>
+            <a:off x="685800" y="4400550"/>
+            <a:ext cx="5486400" cy="3600450"/>
+          </a:xfrm>
+          <a:prstGeom prst="rect">
+            <a:avLst/>
+          </a:prstGeom>
+        </p:spPr>
+        <p:txBody>
+          <a:bodyPr vert="horz" lIns="91440" tIns="45720" rIns="91440" bIns="45720" rtlCol="0"/>
+          <a:lstStyle/>
+          <a:p>
+            <a:pPr lvl="0"/>
+            <a:r>
+              <a:rPr lang="sk-SK"/>
+              <a:t>Upraviť štýly predlohy textu</a:t>
+            </a:r>
+          </a:p>
+          <a:p>
+            <a:pPr lvl="1"/>
+            <a:r>
+              <a:rPr lang="sk-SK"/>
+              <a:t>Druhá úroveň</a:t>
+            </a:r>
+          </a:p>
+          <a:p>
+            <a:pPr lvl="2"/>
+            <a:r>
+              <a:rPr lang="sk-SK"/>
+              <a:t>Tretia úroveň</a:t>
+            </a:r>
+          </a:p>
+          <a:p>
+            <a:pPr lvl="3"/>
+            <a:r>
+              <a:rPr lang="sk-SK"/>
+              <a:t>Štvrtá úroveň</a:t>
+            </a:r>
+          </a:p>
+          <a:p>
+            <a:pPr lvl="4"/>
+            <a:r>
+              <a:rPr lang="sk-SK"/>
+              <a:t>Piata úroveň</a:t>
+            </a:r>
+          </a:p>
+        </p:txBody>
+      </p:sp>
+      <p:sp>
+        <p:nvSpPr>
+          <p:cNvPr id="6" name="Zástupný objekt pre pätu 5"/>
+          <p:cNvSpPr>
+            <a:spLocks noGrp="1"/>
+          </p:cNvSpPr>
+          <p:nvPr>
+            <p:ph type="ftr" sz="quarter" idx="4"/>
+          </p:nvPr>
+        </p:nvSpPr>
+        <p:spPr>
+          <a:xfrm>
+            <a:off x="0" y="8685213"/>
+            <a:ext cx="2971800" cy="458787"/>
+          </a:xfrm>
+          <a:prstGeom prst="rect">
+            <a:avLst/>
+          </a:prstGeom>
+        </p:spPr>
+        <p:txBody>
+          <a:bodyPr vert="horz" lIns="91440" tIns="45720" rIns="91440" bIns="45720" rtlCol="0" anchor="b"/>
+          <a:lstStyle>
+            <a:lvl1pPr algn="l">
+              <a:defRPr sz="1200"/>
+            </a:lvl1pPr>
+          </a:lstStyle>
+          <a:p>
+            <a:endParaRPr lang="sk-SK"/>
+          </a:p>
+        </p:txBody>
+      </p:sp>
+      <p:sp>
+        <p:nvSpPr>
+          <p:cNvPr id="7" name="Zástupný objekt pre číslo snímky 6"/>
+          <p:cNvSpPr>
+            <a:spLocks noGrp="1"/>
+          </p:cNvSpPr>
+          <p:nvPr>
+            <p:ph type="sldNum" sz="quarter" idx="5"/>
+          </p:nvPr>
+        </p:nvSpPr>
+        <p:spPr>
+          <a:xfrm>
+            <a:off x="3884613" y="8685213"/>
+            <a:ext cx="2971800" cy="458787"/>
+          </a:xfrm>
+          <a:prstGeom prst="rect">
+            <a:avLst/>
+          </a:prstGeom>
+        </p:spPr>
+        <p:txBody>
+          <a:bodyPr vert="horz" lIns="91440" tIns="45720" rIns="91440" bIns="45720" rtlCol="0" anchor="b"/>
+          <a:lstStyle>
+            <a:lvl1pPr algn="r">
+              <a:defRPr sz="1200"/>
+            </a:lvl1pPr>
+          </a:lstStyle>
+          <a:p>
+            <a:fld id="{20F758B1-52DF-4699-82A7-5856F4F5FDF7}" type="slidenum">
+              <a:rPr lang="sk-SK" smtClean="0"/>
+              <a:t>‹#›</a:t>
+            </a:fld>
+            <a:endParaRPr lang="sk-SK"/>
+          </a:p>
+        </p:txBody>
+      </p:sp>
+    </p:spTree>
+    <p:extLst>
+      <p:ext uri="{BB962C8B-B14F-4D97-AF65-F5344CB8AC3E}">
+        <p14:creationId xmlns:p14="http://schemas.microsoft.com/office/powerpoint/2010/main" val="2542854080"/>
+      </p:ext>
+    </p:extLst>
+  </p:cSld>
+  <p:clrMap bg1="lt1" tx1="dk1" bg2="lt2" tx2="dk2" accent1="accent1" accent2="accent2" accent3="accent3" accent4="accent4" accent5="accent5" accent6="accent6" hlink="hlink" folHlink="folHlink"/>
+  <p:notesStyle>
+    <a:lvl1pPr marL="0" algn="l" defTabSz="914400" rtl="0" eaLnBrk="1" latinLnBrk="0" hangingPunct="1">
+      <a:defRPr sz="1200" kern="1200">
+        <a:solidFill>
+          <a:schemeClr val="tx1"/>
+        </a:solidFill>
+        <a:latin typeface="+mn-lt"/>
+        <a:ea typeface="+mn-ea"/>
+        <a:cs typeface="+mn-cs"/>
+      </a:defRPr>
+    </a:lvl1pPr>
+    <a:lvl2pPr marL="457200" algn="l" defTabSz="914400" rtl="0" eaLnBrk="1" latinLnBrk="0" hangingPunct="1">
+      <a:defRPr sz="1200" kern="1200">
+        <a:solidFill>
+          <a:schemeClr val="tx1"/>
+        </a:solidFill>
+        <a:latin typeface="+mn-lt"/>
+        <a:ea typeface="+mn-ea"/>
+        <a:cs typeface="+mn-cs"/>
+      </a:defRPr>
+    </a:lvl2pPr>
+    <a:lvl3pPr marL="914400" algn="l" defTabSz="914400" rtl="0" eaLnBrk="1" latinLnBrk="0" hangingPunct="1">
+      <a:defRPr sz="1200" kern="1200">
+        <a:solidFill>
+          <a:schemeClr val="tx1"/>
+        </a:solidFill>
+        <a:latin typeface="+mn-lt"/>
+        <a:ea typeface="+mn-ea"/>
+        <a:cs typeface="+mn-cs"/>
+      </a:defRPr>
+    </a:lvl3pPr>
+    <a:lvl4pPr marL="1371600" algn="l" defTabSz="914400" rtl="0" eaLnBrk="1" latinLnBrk="0" hangingPunct="1">
+      <a:defRPr sz="1200" kern="1200">
+        <a:solidFill>
+          <a:schemeClr val="tx1"/>
+        </a:solidFill>
+        <a:latin typeface="+mn-lt"/>
+        <a:ea typeface="+mn-ea"/>
+        <a:cs typeface="+mn-cs"/>
+      </a:defRPr>
+    </a:lvl4pPr>
+    <a:lvl5pPr marL="1828800" algn="l" defTabSz="914400" rtl="0" eaLnBrk="1" latinLnBrk="0" hangingPunct="1">
+      <a:defRPr sz="1200" kern="1200">
+        <a:solidFill>
+          <a:schemeClr val="tx1"/>
+        </a:solidFill>
+        <a:latin typeface="+mn-lt"/>
+        <a:ea typeface="+mn-ea"/>
+        <a:cs typeface="+mn-cs"/>
+      </a:defRPr>
+    </a:lvl5pPr>
+    <a:lvl6pPr marL="2286000" algn="l" defTabSz="914400" rtl="0" eaLnBrk="1" latinLnBrk="0" hangingPunct="1">
+      <a:defRPr sz="1200" kern="1200">
+        <a:solidFill>
+          <a:schemeClr val="tx1"/>
+        </a:solidFill>
+        <a:latin typeface="+mn-lt"/>
+        <a:ea typeface="+mn-ea"/>
+        <a:cs typeface="+mn-cs"/>
+      </a:defRPr>
+    </a:lvl6pPr>
+    <a:lvl7pPr marL="2743200" algn="l" defTabSz="914400" rtl="0" eaLnBrk="1" latinLnBrk="0" hangingPunct="1">
+      <a:defRPr sz="1200" kern="1200">
+        <a:solidFill>
+          <a:schemeClr val="tx1"/>
+        </a:solidFill>
+        <a:latin typeface="+mn-lt"/>
+        <a:ea typeface="+mn-ea"/>
+        <a:cs typeface="+mn-cs"/>
+      </a:defRPr>
+    </a:lvl7pPr>
+    <a:lvl8pPr marL="3200400" algn="l" defTabSz="914400" rtl="0" eaLnBrk="1" latinLnBrk="0" hangingPunct="1">
+      <a:defRPr sz="1200" kern="1200">
+        <a:solidFill>
+          <a:schemeClr val="tx1"/>
+        </a:solidFill>
+        <a:latin typeface="+mn-lt"/>
+        <a:ea typeface="+mn-ea"/>
+        <a:cs typeface="+mn-cs"/>
+      </a:defRPr>
+    </a:lvl8pPr>
+    <a:lvl9pPr marL="3657600" algn="l" defTabSz="914400" rtl="0" eaLnBrk="1" latinLnBrk="0" hangingPunct="1">
+      <a:defRPr sz="1200" kern="1200">
+        <a:solidFill>
+          <a:schemeClr val="tx1"/>
+        </a:solidFill>
+        <a:latin typeface="+mn-lt"/>
+        <a:ea typeface="+mn-ea"/>
+        <a:cs typeface="+mn-cs"/>
+      </a:defRPr>
+    </a:lvl9pPr>
+  </p:notesStyle>
+</p:notesMaster>
+</file>
+
 <file path=ppt/slideLayouts/slideLayout1.xml><?xml version="1.0" encoding="utf-8"?>
 <p:sldLayout xmlns:a="http://schemas.openxmlformats.org/drawingml/2006/main" xmlns:r="http://schemas.openxmlformats.org/officeDocument/2006/relationships" xmlns:p="http://schemas.openxmlformats.org/presentationml/2006/main" type="title" preserve="1">
   <p:cSld name="Úvodná snímka">
@@ -324,9 +676,8 @@
           <a:bodyPr/>
           <a:lstStyle/>
           <a:p>
-            <a:fld id="{5923F103-BC34-4FE4-A40E-EDDEECFDA5D0}" type="datetimeFigureOut">
+            <a:fld id="{3D9D02A7-7C25-4B80-8554-198777AB74E7}" type="datetime1">
               <a:rPr lang="en-US" smtClean="0"/>
-              <a:pPr/>
               <a:t>12/11/2018</a:t>
             </a:fld>
             <a:endParaRPr lang="en-US" dirty="0"/>
@@ -669,7 +1020,7 @@
           <a:bodyPr/>
           <a:lstStyle/>
           <a:p>
-            <a:fld id="{2BE451C3-0FF4-47C4-B829-773ADF60F88C}" type="datetimeFigureOut">
+            <a:fld id="{57E87860-45DB-4816-B4BC-0F54C7AD5439}" type="datetime1">
               <a:rPr lang="en-US" smtClean="0"/>
               <a:t>12/11/2018</a:t>
             </a:fld>
@@ -822,7 +1173,6 @@
   <p:clrMapOvr>
     <a:masterClrMapping/>
   </p:clrMapOvr>
-  <p:hf sldNum="0" hdr="0" ftr="0" dt="0"/>
 </p:sldLayout>
 </file>
 
@@ -1077,7 +1427,7 @@
           <a:bodyPr/>
           <a:lstStyle/>
           <a:p>
-            <a:fld id="{2BE451C3-0FF4-47C4-B829-773ADF60F88C}" type="datetimeFigureOut">
+            <a:fld id="{8E4A5F4D-5D94-4685-AE2B-E54157AEA467}" type="datetime1">
               <a:rPr lang="en-US" smtClean="0"/>
               <a:t>12/11/2018</a:t>
             </a:fld>
@@ -1306,7 +1656,6 @@
   <p:clrMapOvr>
     <a:masterClrMapping/>
   </p:clrMapOvr>
-  <p:hf sldNum="0" hdr="0" ftr="0" dt="0"/>
 </p:sldLayout>
 </file>
 
@@ -1420,7 +1769,7 @@
           <a:bodyPr/>
           <a:lstStyle/>
           <a:p>
-            <a:fld id="{2BE451C3-0FF4-47C4-B829-773ADF60F88C}" type="datetimeFigureOut">
+            <a:fld id="{959205CF-414B-4AD5-9AD0-CA1FE878C877}" type="datetime1">
               <a:rPr lang="en-US" smtClean="0"/>
               <a:t>12/11/2018</a:t>
             </a:fld>
@@ -1573,7 +1922,6 @@
   <p:clrMapOvr>
     <a:masterClrMapping/>
   </p:clrMapOvr>
-  <p:hf sldNum="0" hdr="0" ftr="0" dt="0"/>
 </p:sldLayout>
 </file>
 
@@ -1747,7 +2095,7 @@
           <a:bodyPr/>
           <a:lstStyle/>
           <a:p>
-            <a:fld id="{2BE451C3-0FF4-47C4-B829-773ADF60F88C}" type="datetimeFigureOut">
+            <a:fld id="{D991B575-D7F9-41EE-AE12-6EEBC6996A30}" type="datetime1">
               <a:rPr lang="en-US" smtClean="0"/>
               <a:t>12/11/2018</a:t>
             </a:fld>
@@ -1976,7 +2324,6 @@
   <p:clrMapOvr>
     <a:masterClrMapping/>
   </p:clrMapOvr>
-  <p:hf sldNum="0" hdr="0" ftr="0" dt="0"/>
 </p:sldLayout>
 </file>
 
@@ -2150,7 +2497,7 @@
           <a:bodyPr/>
           <a:lstStyle/>
           <a:p>
-            <a:fld id="{2BE451C3-0FF4-47C4-B829-773ADF60F88C}" type="datetimeFigureOut">
+            <a:fld id="{20902FC2-3C30-4032-A37F-0ABFDBBB779F}" type="datetime1">
               <a:rPr lang="en-US" smtClean="0"/>
               <a:t>12/11/2018</a:t>
             </a:fld>
@@ -2303,7 +2650,6 @@
   <p:clrMapOvr>
     <a:masterClrMapping/>
   </p:clrMapOvr>
-  <p:hf sldNum="0" hdr="0" ftr="0" dt="0"/>
 </p:sldLayout>
 </file>
 
@@ -2414,7 +2760,7 @@
           <a:bodyPr/>
           <a:lstStyle/>
           <a:p>
-            <a:fld id="{53086D93-FCAC-47E0-A2EE-787E62CA814C}" type="datetimeFigureOut">
+            <a:fld id="{863F6BBD-C0F4-4AF3-901A-2641C29B7185}" type="datetime1">
               <a:rPr lang="en-US" smtClean="0"/>
               <a:t>12/11/2018</a:t>
             </a:fld>
@@ -2682,7 +3028,7 @@
           <a:bodyPr/>
           <a:lstStyle/>
           <a:p>
-            <a:fld id="{CDA879A6-0FD0-4734-A311-86BFCA472E6E}" type="datetimeFigureOut">
+            <a:fld id="{53889CFE-FA1F-4F35-917E-8BB0038E7AE2}" type="datetime1">
               <a:rPr lang="en-US" smtClean="0"/>
               <a:t>12/11/2018</a:t>
             </a:fld>
@@ -2950,7 +3296,7 @@
           <a:bodyPr/>
           <a:lstStyle/>
           <a:p>
-            <a:fld id="{19C9CA7B-DFD4-44B5-8C60-D14B8CD1FB59}" type="datetimeFigureOut">
+            <a:fld id="{FC690229-DC32-48FD-8C2D-66CDA820A1E7}" type="datetime1">
               <a:rPr lang="en-US" smtClean="0"/>
               <a:t>12/11/2018</a:t>
             </a:fld>
@@ -3285,7 +3631,7 @@
           <a:bodyPr/>
           <a:lstStyle/>
           <a:p>
-            <a:fld id="{F34E6425-0181-43F2-84FC-787E803FD2F8}" type="datetimeFigureOut">
+            <a:fld id="{427FD1F1-FCDF-45C7-A637-2C6C539D843A}" type="datetime1">
               <a:rPr lang="en-US" smtClean="0"/>
               <a:t>12/11/2018</a:t>
             </a:fld>
@@ -3614,7 +3960,7 @@
           <a:bodyPr/>
           <a:lstStyle/>
           <a:p>
-            <a:fld id="{3BDB8791-F1B0-41E7-B7FD-A781E65C4266}" type="datetimeFigureOut">
+            <a:fld id="{D69421F5-D3E9-4116-91E5-5F8A3577ABC0}" type="datetime1">
               <a:rPr lang="en-US" smtClean="0"/>
               <a:t>12/11/2018</a:t>
             </a:fld>
@@ -4077,7 +4423,7 @@
           <a:bodyPr/>
           <a:lstStyle/>
           <a:p>
-            <a:fld id="{5FDD63B2-E120-4ED8-B27B-C685F510A5FE}" type="datetimeFigureOut">
+            <a:fld id="{82D3AEEF-177B-4603-A812-4BC860927C6C}" type="datetime1">
               <a:rPr lang="en-US" smtClean="0"/>
               <a:t>12/11/2018</a:t>
             </a:fld>
@@ -4288,7 +4634,7 @@
           <a:bodyPr/>
           <a:lstStyle/>
           <a:p>
-            <a:fld id="{7AA18ACC-A947-437B-A130-35BD54FDF1E9}" type="datetimeFigureOut">
+            <a:fld id="{9A73DA17-0B88-47D5-89A6-7D211E173A21}" type="datetime1">
               <a:rPr lang="en-US" smtClean="0"/>
               <a:t>12/11/2018</a:t>
             </a:fld>
@@ -4471,7 +4817,7 @@
           <a:bodyPr/>
           <a:lstStyle/>
           <a:p>
-            <a:fld id="{7C8D7E02-BCB8-4D50-A234-369438C08659}" type="datetimeFigureOut">
+            <a:fld id="{7659A2C2-4689-47A4-AC3E-20C51D17E0AD}" type="datetime1">
               <a:rPr lang="en-US" smtClean="0"/>
               <a:t>12/11/2018</a:t>
             </a:fld>
@@ -4810,7 +5156,7 @@
           <a:bodyPr/>
           <a:lstStyle/>
           <a:p>
-            <a:fld id="{76E86A4C-8E40-4F87-A4F0-01A0687C5742}" type="datetimeFigureOut">
+            <a:fld id="{315E0C4A-C4B1-4159-94A9-2A24D43934C0}" type="datetime1">
               <a:rPr lang="en-US" smtClean="0"/>
               <a:t>12/11/2018</a:t>
             </a:fld>
@@ -5161,7 +5507,7 @@
           <a:bodyPr/>
           <a:lstStyle/>
           <a:p>
-            <a:fld id="{35E72C73-2D91-4E12-BA25-F0AA0C03599B}" type="datetimeFigureOut">
+            <a:fld id="{62C27EC3-4C92-4D74-8D1A-8EED47A42840}" type="datetime1">
               <a:rPr lang="en-US" smtClean="0"/>
               <a:t>12/11/2018</a:t>
             </a:fld>
@@ -7284,7 +7630,7 @@
             </a:lvl1pPr>
           </a:lstStyle>
           <a:p>
-            <a:fld id="{2BE451C3-0FF4-47C4-B829-773ADF60F88C}" type="datetimeFigureOut">
+            <a:fld id="{6F0C6549-4C17-4D62-A30A-76FF98759B95}" type="datetime1">
               <a:rPr lang="en-US" smtClean="0"/>
               <a:t>12/11/2018</a:t>
             </a:fld>
@@ -7400,7 +7746,7 @@
     <p:sldLayoutId id="2147483842" r:id="rId15"/>
     <p:sldLayoutId id="2147483843" r:id="rId16"/>
   </p:sldLayoutIdLst>
-  <p:hf sldNum="0" hdr="0" ftr="0" dt="0"/>
+  <p:hf hdr="0" ftr="0" dt="0"/>
   <p:txStyles>
     <p:titleStyle>
       <a:lvl1pPr algn="l" defTabSz="457200" rtl="0" eaLnBrk="1" latinLnBrk="0" hangingPunct="1">
@@ -7902,6 +8248,36 @@
           </a:prstGeom>
         </p:spPr>
       </p:pic>
+      <p:sp>
+        <p:nvSpPr>
+          <p:cNvPr id="4" name="Zástupný objekt pre číslo snímky 3">
+            <a:extLst>
+              <a:ext uri="{FF2B5EF4-FFF2-40B4-BE49-F238E27FC236}">
+                <a16:creationId xmlns:a16="http://schemas.microsoft.com/office/drawing/2014/main" id="{7F90D0BF-7422-4D6B-B32F-1641AA187617}"/>
+              </a:ext>
+            </a:extLst>
+          </p:cNvPr>
+          <p:cNvSpPr>
+            <a:spLocks noGrp="1"/>
+          </p:cNvSpPr>
+          <p:nvPr>
+            <p:ph type="sldNum" sz="quarter" idx="12"/>
+          </p:nvPr>
+        </p:nvSpPr>
+        <p:spPr/>
+        <p:txBody>
+          <a:bodyPr/>
+          <a:lstStyle/>
+          <a:p>
+            <a:fld id="{D57F1E4F-1CFF-5643-939E-217C01CDF565}" type="slidenum">
+              <a:rPr lang="en-US" smtClean="0"/>
+              <a:pPr/>
+              <a:t>1</a:t>
+            </a:fld>
+            <a:endParaRPr lang="en-US" dirty="0"/>
+          </a:p>
+        </p:txBody>
+      </p:sp>
     </p:spTree>
     <p:extLst>
       <p:ext uri="{BB962C8B-B14F-4D97-AF65-F5344CB8AC3E}">
@@ -8029,6 +8405,36 @@
           </a:prstGeom>
         </p:spPr>
       </p:pic>
+      <p:sp>
+        <p:nvSpPr>
+          <p:cNvPr id="3" name="Zástupný objekt pre číslo snímky 2">
+            <a:extLst>
+              <a:ext uri="{FF2B5EF4-FFF2-40B4-BE49-F238E27FC236}">
+                <a16:creationId xmlns:a16="http://schemas.microsoft.com/office/drawing/2014/main" id="{717D9854-AE7B-402B-9E00-3F62269E88D4}"/>
+              </a:ext>
+            </a:extLst>
+          </p:cNvPr>
+          <p:cNvSpPr>
+            <a:spLocks noGrp="1"/>
+          </p:cNvSpPr>
+          <p:nvPr>
+            <p:ph type="sldNum" sz="quarter" idx="12"/>
+          </p:nvPr>
+        </p:nvSpPr>
+        <p:spPr/>
+        <p:txBody>
+          <a:bodyPr/>
+          <a:lstStyle/>
+          <a:p>
+            <a:fld id="{D57F1E4F-1CFF-5643-939E-217C01CDF565}" type="slidenum">
+              <a:rPr lang="en-US" smtClean="0"/>
+              <a:pPr/>
+              <a:t>10</a:t>
+            </a:fld>
+            <a:endParaRPr lang="en-US" dirty="0"/>
+          </a:p>
+        </p:txBody>
+      </p:sp>
     </p:spTree>
     <p:extLst>
       <p:ext uri="{BB962C8B-B14F-4D97-AF65-F5344CB8AC3E}">
@@ -8191,6 +8597,36 @@
           </a:prstGeom>
         </p:spPr>
       </p:pic>
+      <p:sp>
+        <p:nvSpPr>
+          <p:cNvPr id="5" name="Zástupný objekt pre číslo snímky 4">
+            <a:extLst>
+              <a:ext uri="{FF2B5EF4-FFF2-40B4-BE49-F238E27FC236}">
+                <a16:creationId xmlns:a16="http://schemas.microsoft.com/office/drawing/2014/main" id="{D336E0B7-38B8-44AC-A0D6-9F046F39EC97}"/>
+              </a:ext>
+            </a:extLst>
+          </p:cNvPr>
+          <p:cNvSpPr>
+            <a:spLocks noGrp="1"/>
+          </p:cNvSpPr>
+          <p:nvPr>
+            <p:ph type="sldNum" sz="quarter" idx="12"/>
+          </p:nvPr>
+        </p:nvSpPr>
+        <p:spPr/>
+        <p:txBody>
+          <a:bodyPr/>
+          <a:lstStyle/>
+          <a:p>
+            <a:fld id="{D57F1E4F-1CFF-5643-939E-217C01CDF565}" type="slidenum">
+              <a:rPr lang="en-US" smtClean="0"/>
+              <a:pPr/>
+              <a:t>11</a:t>
+            </a:fld>
+            <a:endParaRPr lang="en-US" dirty="0"/>
+          </a:p>
+        </p:txBody>
+      </p:sp>
     </p:spTree>
     <p:extLst>
       <p:ext uri="{BB962C8B-B14F-4D97-AF65-F5344CB8AC3E}">
@@ -8353,6 +8789,36 @@
           </a:prstGeom>
         </p:spPr>
       </p:pic>
+      <p:sp>
+        <p:nvSpPr>
+          <p:cNvPr id="6" name="Zástupný objekt pre číslo snímky 5">
+            <a:extLst>
+              <a:ext uri="{FF2B5EF4-FFF2-40B4-BE49-F238E27FC236}">
+                <a16:creationId xmlns:a16="http://schemas.microsoft.com/office/drawing/2014/main" id="{8D2F3B83-0677-49DE-B709-61DD15E80477}"/>
+              </a:ext>
+            </a:extLst>
+          </p:cNvPr>
+          <p:cNvSpPr>
+            <a:spLocks noGrp="1"/>
+          </p:cNvSpPr>
+          <p:nvPr>
+            <p:ph type="sldNum" sz="quarter" idx="12"/>
+          </p:nvPr>
+        </p:nvSpPr>
+        <p:spPr/>
+        <p:txBody>
+          <a:bodyPr/>
+          <a:lstStyle/>
+          <a:p>
+            <a:fld id="{D57F1E4F-1CFF-5643-939E-217C01CDF565}" type="slidenum">
+              <a:rPr lang="en-US" smtClean="0"/>
+              <a:pPr/>
+              <a:t>12</a:t>
+            </a:fld>
+            <a:endParaRPr lang="en-US" dirty="0"/>
+          </a:p>
+        </p:txBody>
+      </p:sp>
     </p:spTree>
     <p:extLst>
       <p:ext uri="{BB962C8B-B14F-4D97-AF65-F5344CB8AC3E}">
@@ -8497,6 +8963,36 @@
           </a:prstGeom>
         </p:spPr>
       </p:pic>
+      <p:sp>
+        <p:nvSpPr>
+          <p:cNvPr id="5" name="Zástupný objekt pre číslo snímky 4">
+            <a:extLst>
+              <a:ext uri="{FF2B5EF4-FFF2-40B4-BE49-F238E27FC236}">
+                <a16:creationId xmlns:a16="http://schemas.microsoft.com/office/drawing/2014/main" id="{C8190DB3-F8AC-4BF7-AFD4-A6CFF9E91E80}"/>
+              </a:ext>
+            </a:extLst>
+          </p:cNvPr>
+          <p:cNvSpPr>
+            <a:spLocks noGrp="1"/>
+          </p:cNvSpPr>
+          <p:nvPr>
+            <p:ph type="sldNum" sz="quarter" idx="12"/>
+          </p:nvPr>
+        </p:nvSpPr>
+        <p:spPr/>
+        <p:txBody>
+          <a:bodyPr/>
+          <a:lstStyle/>
+          <a:p>
+            <a:fld id="{D57F1E4F-1CFF-5643-939E-217C01CDF565}" type="slidenum">
+              <a:rPr lang="en-US" smtClean="0"/>
+              <a:pPr/>
+              <a:t>13</a:t>
+            </a:fld>
+            <a:endParaRPr lang="en-US" dirty="0"/>
+          </a:p>
+        </p:txBody>
+      </p:sp>
     </p:spTree>
     <p:extLst>
       <p:ext uri="{BB962C8B-B14F-4D97-AF65-F5344CB8AC3E}">
@@ -8641,6 +9137,36 @@
           </a:prstGeom>
         </p:spPr>
       </p:pic>
+      <p:sp>
+        <p:nvSpPr>
+          <p:cNvPr id="6" name="Zástupný objekt pre číslo snímky 5">
+            <a:extLst>
+              <a:ext uri="{FF2B5EF4-FFF2-40B4-BE49-F238E27FC236}">
+                <a16:creationId xmlns:a16="http://schemas.microsoft.com/office/drawing/2014/main" id="{E53D2709-0074-4A30-90B7-9976B8E6E270}"/>
+              </a:ext>
+            </a:extLst>
+          </p:cNvPr>
+          <p:cNvSpPr>
+            <a:spLocks noGrp="1"/>
+          </p:cNvSpPr>
+          <p:nvPr>
+            <p:ph type="sldNum" sz="quarter" idx="12"/>
+          </p:nvPr>
+        </p:nvSpPr>
+        <p:spPr/>
+        <p:txBody>
+          <a:bodyPr/>
+          <a:lstStyle/>
+          <a:p>
+            <a:fld id="{D57F1E4F-1CFF-5643-939E-217C01CDF565}" type="slidenum">
+              <a:rPr lang="en-US" smtClean="0"/>
+              <a:pPr/>
+              <a:t>14</a:t>
+            </a:fld>
+            <a:endParaRPr lang="en-US" dirty="0"/>
+          </a:p>
+        </p:txBody>
+      </p:sp>
     </p:spTree>
     <p:extLst>
       <p:ext uri="{BB962C8B-B14F-4D97-AF65-F5344CB8AC3E}">
@@ -8785,6 +9311,36 @@
           </a:prstGeom>
         </p:spPr>
       </p:pic>
+      <p:sp>
+        <p:nvSpPr>
+          <p:cNvPr id="5" name="Zástupný objekt pre číslo snímky 4">
+            <a:extLst>
+              <a:ext uri="{FF2B5EF4-FFF2-40B4-BE49-F238E27FC236}">
+                <a16:creationId xmlns:a16="http://schemas.microsoft.com/office/drawing/2014/main" id="{1F93E598-7A36-4A44-829B-AEE9849FB747}"/>
+              </a:ext>
+            </a:extLst>
+          </p:cNvPr>
+          <p:cNvSpPr>
+            <a:spLocks noGrp="1"/>
+          </p:cNvSpPr>
+          <p:nvPr>
+            <p:ph type="sldNum" sz="quarter" idx="12"/>
+          </p:nvPr>
+        </p:nvSpPr>
+        <p:spPr/>
+        <p:txBody>
+          <a:bodyPr/>
+          <a:lstStyle/>
+          <a:p>
+            <a:fld id="{D57F1E4F-1CFF-5643-939E-217C01CDF565}" type="slidenum">
+              <a:rPr lang="en-US" smtClean="0"/>
+              <a:pPr/>
+              <a:t>15</a:t>
+            </a:fld>
+            <a:endParaRPr lang="en-US" dirty="0"/>
+          </a:p>
+        </p:txBody>
+      </p:sp>
     </p:spTree>
     <p:extLst>
       <p:ext uri="{BB962C8B-B14F-4D97-AF65-F5344CB8AC3E}">
@@ -8929,6 +9485,36 @@
           </a:prstGeom>
         </p:spPr>
       </p:pic>
+      <p:sp>
+        <p:nvSpPr>
+          <p:cNvPr id="6" name="Zástupný objekt pre číslo snímky 5">
+            <a:extLst>
+              <a:ext uri="{FF2B5EF4-FFF2-40B4-BE49-F238E27FC236}">
+                <a16:creationId xmlns:a16="http://schemas.microsoft.com/office/drawing/2014/main" id="{9BD4A53C-08A8-4D88-BD0C-FBFADF16090F}"/>
+              </a:ext>
+            </a:extLst>
+          </p:cNvPr>
+          <p:cNvSpPr>
+            <a:spLocks noGrp="1"/>
+          </p:cNvSpPr>
+          <p:nvPr>
+            <p:ph type="sldNum" sz="quarter" idx="12"/>
+          </p:nvPr>
+        </p:nvSpPr>
+        <p:spPr/>
+        <p:txBody>
+          <a:bodyPr/>
+          <a:lstStyle/>
+          <a:p>
+            <a:fld id="{D57F1E4F-1CFF-5643-939E-217C01CDF565}" type="slidenum">
+              <a:rPr lang="en-US" smtClean="0"/>
+              <a:pPr/>
+              <a:t>16</a:t>
+            </a:fld>
+            <a:endParaRPr lang="en-US" dirty="0"/>
+          </a:p>
+        </p:txBody>
+      </p:sp>
     </p:spTree>
     <p:extLst>
       <p:ext uri="{BB962C8B-B14F-4D97-AF65-F5344CB8AC3E}">
@@ -9073,6 +9659,36 @@
           </a:prstGeom>
         </p:spPr>
       </p:pic>
+      <p:sp>
+        <p:nvSpPr>
+          <p:cNvPr id="5" name="Zástupný objekt pre číslo snímky 4">
+            <a:extLst>
+              <a:ext uri="{FF2B5EF4-FFF2-40B4-BE49-F238E27FC236}">
+                <a16:creationId xmlns:a16="http://schemas.microsoft.com/office/drawing/2014/main" id="{575074D3-A6F2-4DAF-9219-4FA7E301C3F9}"/>
+              </a:ext>
+            </a:extLst>
+          </p:cNvPr>
+          <p:cNvSpPr>
+            <a:spLocks noGrp="1"/>
+          </p:cNvSpPr>
+          <p:nvPr>
+            <p:ph type="sldNum" sz="quarter" idx="12"/>
+          </p:nvPr>
+        </p:nvSpPr>
+        <p:spPr/>
+        <p:txBody>
+          <a:bodyPr/>
+          <a:lstStyle/>
+          <a:p>
+            <a:fld id="{D57F1E4F-1CFF-5643-939E-217C01CDF565}" type="slidenum">
+              <a:rPr lang="en-US" smtClean="0"/>
+              <a:pPr/>
+              <a:t>17</a:t>
+            </a:fld>
+            <a:endParaRPr lang="en-US" dirty="0"/>
+          </a:p>
+        </p:txBody>
+      </p:sp>
     </p:spTree>
     <p:extLst>
       <p:ext uri="{BB962C8B-B14F-4D97-AF65-F5344CB8AC3E}">
@@ -9217,6 +9833,36 @@
           </a:prstGeom>
         </p:spPr>
       </p:pic>
+      <p:sp>
+        <p:nvSpPr>
+          <p:cNvPr id="6" name="Zástupný objekt pre číslo snímky 5">
+            <a:extLst>
+              <a:ext uri="{FF2B5EF4-FFF2-40B4-BE49-F238E27FC236}">
+                <a16:creationId xmlns:a16="http://schemas.microsoft.com/office/drawing/2014/main" id="{0AE3993D-C60A-4396-9CC6-8269F3A13FA9}"/>
+              </a:ext>
+            </a:extLst>
+          </p:cNvPr>
+          <p:cNvSpPr>
+            <a:spLocks noGrp="1"/>
+          </p:cNvSpPr>
+          <p:nvPr>
+            <p:ph type="sldNum" sz="quarter" idx="12"/>
+          </p:nvPr>
+        </p:nvSpPr>
+        <p:spPr/>
+        <p:txBody>
+          <a:bodyPr/>
+          <a:lstStyle/>
+          <a:p>
+            <a:fld id="{D57F1E4F-1CFF-5643-939E-217C01CDF565}" type="slidenum">
+              <a:rPr lang="en-US" smtClean="0"/>
+              <a:pPr/>
+              <a:t>18</a:t>
+            </a:fld>
+            <a:endParaRPr lang="en-US" dirty="0"/>
+          </a:p>
+        </p:txBody>
+      </p:sp>
     </p:spTree>
     <p:extLst>
       <p:ext uri="{BB962C8B-B14F-4D97-AF65-F5344CB8AC3E}">
@@ -9361,6 +10007,36 @@
           </a:prstGeom>
         </p:spPr>
       </p:pic>
+      <p:sp>
+        <p:nvSpPr>
+          <p:cNvPr id="5" name="Zástupný objekt pre číslo snímky 4">
+            <a:extLst>
+              <a:ext uri="{FF2B5EF4-FFF2-40B4-BE49-F238E27FC236}">
+                <a16:creationId xmlns:a16="http://schemas.microsoft.com/office/drawing/2014/main" id="{B7A3955B-6ADB-4D36-8CE5-0FA001FDAD64}"/>
+              </a:ext>
+            </a:extLst>
+          </p:cNvPr>
+          <p:cNvSpPr>
+            <a:spLocks noGrp="1"/>
+          </p:cNvSpPr>
+          <p:nvPr>
+            <p:ph type="sldNum" sz="quarter" idx="12"/>
+          </p:nvPr>
+        </p:nvSpPr>
+        <p:spPr/>
+        <p:txBody>
+          <a:bodyPr/>
+          <a:lstStyle/>
+          <a:p>
+            <a:fld id="{D57F1E4F-1CFF-5643-939E-217C01CDF565}" type="slidenum">
+              <a:rPr lang="en-US" smtClean="0"/>
+              <a:pPr/>
+              <a:t>19</a:t>
+            </a:fld>
+            <a:endParaRPr lang="en-US" dirty="0"/>
+          </a:p>
+        </p:txBody>
+      </p:sp>
     </p:spTree>
     <p:extLst>
       <p:ext uri="{BB962C8B-B14F-4D97-AF65-F5344CB8AC3E}">
@@ -9533,6 +10209,36 @@
           </a:prstGeom>
         </p:spPr>
       </p:pic>
+      <p:sp>
+        <p:nvSpPr>
+          <p:cNvPr id="5" name="Zástupný objekt pre číslo snímky 4">
+            <a:extLst>
+              <a:ext uri="{FF2B5EF4-FFF2-40B4-BE49-F238E27FC236}">
+                <a16:creationId xmlns:a16="http://schemas.microsoft.com/office/drawing/2014/main" id="{9906DD11-79C1-4F53-A531-DA62BE78FC2F}"/>
+              </a:ext>
+            </a:extLst>
+          </p:cNvPr>
+          <p:cNvSpPr>
+            <a:spLocks noGrp="1"/>
+          </p:cNvSpPr>
+          <p:nvPr>
+            <p:ph type="sldNum" sz="quarter" idx="12"/>
+          </p:nvPr>
+        </p:nvSpPr>
+        <p:spPr/>
+        <p:txBody>
+          <a:bodyPr/>
+          <a:lstStyle/>
+          <a:p>
+            <a:fld id="{D57F1E4F-1CFF-5643-939E-217C01CDF565}" type="slidenum">
+              <a:rPr lang="en-US" smtClean="0"/>
+              <a:pPr/>
+              <a:t>2</a:t>
+            </a:fld>
+            <a:endParaRPr lang="en-US" dirty="0"/>
+          </a:p>
+        </p:txBody>
+      </p:sp>
     </p:spTree>
     <p:extLst>
       <p:ext uri="{BB962C8B-B14F-4D97-AF65-F5344CB8AC3E}">
@@ -9648,6 +10354,36 @@
           </a:prstGeom>
         </p:spPr>
       </p:pic>
+      <p:sp>
+        <p:nvSpPr>
+          <p:cNvPr id="5" name="Zástupný objekt pre číslo snímky 4">
+            <a:extLst>
+              <a:ext uri="{FF2B5EF4-FFF2-40B4-BE49-F238E27FC236}">
+                <a16:creationId xmlns:a16="http://schemas.microsoft.com/office/drawing/2014/main" id="{3D02DEFC-4E6E-4961-A63A-130BDD1CCAD2}"/>
+              </a:ext>
+            </a:extLst>
+          </p:cNvPr>
+          <p:cNvSpPr>
+            <a:spLocks noGrp="1"/>
+          </p:cNvSpPr>
+          <p:nvPr>
+            <p:ph type="sldNum" sz="quarter" idx="12"/>
+          </p:nvPr>
+        </p:nvSpPr>
+        <p:spPr/>
+        <p:txBody>
+          <a:bodyPr/>
+          <a:lstStyle/>
+          <a:p>
+            <a:fld id="{D57F1E4F-1CFF-5643-939E-217C01CDF565}" type="slidenum">
+              <a:rPr lang="en-US" smtClean="0"/>
+              <a:pPr/>
+              <a:t>20</a:t>
+            </a:fld>
+            <a:endParaRPr lang="en-US" dirty="0"/>
+          </a:p>
+        </p:txBody>
+      </p:sp>
     </p:spTree>
     <p:extLst>
       <p:ext uri="{BB962C8B-B14F-4D97-AF65-F5344CB8AC3E}">
@@ -9793,6 +10529,36 @@
           </a:prstGeom>
         </p:spPr>
       </p:pic>
+      <p:sp>
+        <p:nvSpPr>
+          <p:cNvPr id="6" name="Zástupný objekt pre číslo snímky 5">
+            <a:extLst>
+              <a:ext uri="{FF2B5EF4-FFF2-40B4-BE49-F238E27FC236}">
+                <a16:creationId xmlns:a16="http://schemas.microsoft.com/office/drawing/2014/main" id="{57236B32-9B2A-4C37-867E-3BBCA107DA03}"/>
+              </a:ext>
+            </a:extLst>
+          </p:cNvPr>
+          <p:cNvSpPr>
+            <a:spLocks noGrp="1"/>
+          </p:cNvSpPr>
+          <p:nvPr>
+            <p:ph type="sldNum" sz="quarter" idx="12"/>
+          </p:nvPr>
+        </p:nvSpPr>
+        <p:spPr/>
+        <p:txBody>
+          <a:bodyPr/>
+          <a:lstStyle/>
+          <a:p>
+            <a:fld id="{D57F1E4F-1CFF-5643-939E-217C01CDF565}" type="slidenum">
+              <a:rPr lang="en-US" smtClean="0"/>
+              <a:pPr/>
+              <a:t>21</a:t>
+            </a:fld>
+            <a:endParaRPr lang="en-US" dirty="0"/>
+          </a:p>
+        </p:txBody>
+      </p:sp>
     </p:spTree>
     <p:extLst>
       <p:ext uri="{BB962C8B-B14F-4D97-AF65-F5344CB8AC3E}">
@@ -9938,6 +10704,36 @@
           </a:prstGeom>
         </p:spPr>
       </p:pic>
+      <p:sp>
+        <p:nvSpPr>
+          <p:cNvPr id="5" name="Zástupný objekt pre číslo snímky 4">
+            <a:extLst>
+              <a:ext uri="{FF2B5EF4-FFF2-40B4-BE49-F238E27FC236}">
+                <a16:creationId xmlns:a16="http://schemas.microsoft.com/office/drawing/2014/main" id="{B1A51070-4E12-41AC-8432-39653EFB31F3}"/>
+              </a:ext>
+            </a:extLst>
+          </p:cNvPr>
+          <p:cNvSpPr>
+            <a:spLocks noGrp="1"/>
+          </p:cNvSpPr>
+          <p:nvPr>
+            <p:ph type="sldNum" sz="quarter" idx="12"/>
+          </p:nvPr>
+        </p:nvSpPr>
+        <p:spPr/>
+        <p:txBody>
+          <a:bodyPr/>
+          <a:lstStyle/>
+          <a:p>
+            <a:fld id="{D57F1E4F-1CFF-5643-939E-217C01CDF565}" type="slidenum">
+              <a:rPr lang="en-US" smtClean="0"/>
+              <a:pPr/>
+              <a:t>22</a:t>
+            </a:fld>
+            <a:endParaRPr lang="en-US" dirty="0"/>
+          </a:p>
+        </p:txBody>
+      </p:sp>
     </p:spTree>
     <p:extLst>
       <p:ext uri="{BB962C8B-B14F-4D97-AF65-F5344CB8AC3E}">
@@ -10053,6 +10849,36 @@
           </a:prstGeom>
         </p:spPr>
       </p:pic>
+      <p:sp>
+        <p:nvSpPr>
+          <p:cNvPr id="5" name="Zástupný objekt pre číslo snímky 4">
+            <a:extLst>
+              <a:ext uri="{FF2B5EF4-FFF2-40B4-BE49-F238E27FC236}">
+                <a16:creationId xmlns:a16="http://schemas.microsoft.com/office/drawing/2014/main" id="{720D6BAD-097A-4E03-81F4-C3CCD4DC1492}"/>
+              </a:ext>
+            </a:extLst>
+          </p:cNvPr>
+          <p:cNvSpPr>
+            <a:spLocks noGrp="1"/>
+          </p:cNvSpPr>
+          <p:nvPr>
+            <p:ph type="sldNum" sz="quarter" idx="12"/>
+          </p:nvPr>
+        </p:nvSpPr>
+        <p:spPr/>
+        <p:txBody>
+          <a:bodyPr/>
+          <a:lstStyle/>
+          <a:p>
+            <a:fld id="{D57F1E4F-1CFF-5643-939E-217C01CDF565}" type="slidenum">
+              <a:rPr lang="en-US" smtClean="0"/>
+              <a:pPr/>
+              <a:t>23</a:t>
+            </a:fld>
+            <a:endParaRPr lang="en-US" dirty="0"/>
+          </a:p>
+        </p:txBody>
+      </p:sp>
     </p:spTree>
     <p:extLst>
       <p:ext uri="{BB962C8B-B14F-4D97-AF65-F5344CB8AC3E}">
@@ -10198,6 +11024,36 @@
           </a:prstGeom>
         </p:spPr>
       </p:pic>
+      <p:sp>
+        <p:nvSpPr>
+          <p:cNvPr id="5" name="Zástupný objekt pre číslo snímky 4">
+            <a:extLst>
+              <a:ext uri="{FF2B5EF4-FFF2-40B4-BE49-F238E27FC236}">
+                <a16:creationId xmlns:a16="http://schemas.microsoft.com/office/drawing/2014/main" id="{2DA893C4-A62A-4B89-A887-535EA1372AE4}"/>
+              </a:ext>
+            </a:extLst>
+          </p:cNvPr>
+          <p:cNvSpPr>
+            <a:spLocks noGrp="1"/>
+          </p:cNvSpPr>
+          <p:nvPr>
+            <p:ph type="sldNum" sz="quarter" idx="12"/>
+          </p:nvPr>
+        </p:nvSpPr>
+        <p:spPr/>
+        <p:txBody>
+          <a:bodyPr/>
+          <a:lstStyle/>
+          <a:p>
+            <a:fld id="{D57F1E4F-1CFF-5643-939E-217C01CDF565}" type="slidenum">
+              <a:rPr lang="en-US" smtClean="0"/>
+              <a:pPr/>
+              <a:t>24</a:t>
+            </a:fld>
+            <a:endParaRPr lang="en-US" dirty="0"/>
+          </a:p>
+        </p:txBody>
+      </p:sp>
     </p:spTree>
     <p:extLst>
       <p:ext uri="{BB962C8B-B14F-4D97-AF65-F5344CB8AC3E}">
@@ -10343,6 +11199,36 @@
           </a:prstGeom>
         </p:spPr>
       </p:pic>
+      <p:sp>
+        <p:nvSpPr>
+          <p:cNvPr id="6" name="Zástupný objekt pre číslo snímky 5">
+            <a:extLst>
+              <a:ext uri="{FF2B5EF4-FFF2-40B4-BE49-F238E27FC236}">
+                <a16:creationId xmlns:a16="http://schemas.microsoft.com/office/drawing/2014/main" id="{C3CD75EA-2529-44D2-9112-F3EC3C999875}"/>
+              </a:ext>
+            </a:extLst>
+          </p:cNvPr>
+          <p:cNvSpPr>
+            <a:spLocks noGrp="1"/>
+          </p:cNvSpPr>
+          <p:nvPr>
+            <p:ph type="sldNum" sz="quarter" idx="12"/>
+          </p:nvPr>
+        </p:nvSpPr>
+        <p:spPr/>
+        <p:txBody>
+          <a:bodyPr/>
+          <a:lstStyle/>
+          <a:p>
+            <a:fld id="{D57F1E4F-1CFF-5643-939E-217C01CDF565}" type="slidenum">
+              <a:rPr lang="en-US" smtClean="0"/>
+              <a:pPr/>
+              <a:t>25</a:t>
+            </a:fld>
+            <a:endParaRPr lang="en-US" dirty="0"/>
+          </a:p>
+        </p:txBody>
+      </p:sp>
     </p:spTree>
     <p:extLst>
       <p:ext uri="{BB962C8B-B14F-4D97-AF65-F5344CB8AC3E}">
@@ -10436,6 +11322,36 @@
           </a:p>
         </p:txBody>
       </p:sp>
+      <p:sp>
+        <p:nvSpPr>
+          <p:cNvPr id="4" name="Zástupný objekt pre číslo snímky 3">
+            <a:extLst>
+              <a:ext uri="{FF2B5EF4-FFF2-40B4-BE49-F238E27FC236}">
+                <a16:creationId xmlns:a16="http://schemas.microsoft.com/office/drawing/2014/main" id="{E5F04DBE-3F3B-4227-8477-BFF7932858A9}"/>
+              </a:ext>
+            </a:extLst>
+          </p:cNvPr>
+          <p:cNvSpPr>
+            <a:spLocks noGrp="1"/>
+          </p:cNvSpPr>
+          <p:nvPr>
+            <p:ph type="sldNum" sz="quarter" idx="12"/>
+          </p:nvPr>
+        </p:nvSpPr>
+        <p:spPr/>
+        <p:txBody>
+          <a:bodyPr/>
+          <a:lstStyle/>
+          <a:p>
+            <a:fld id="{D57F1E4F-1CFF-5643-939E-217C01CDF565}" type="slidenum">
+              <a:rPr lang="en-US" smtClean="0"/>
+              <a:pPr/>
+              <a:t>26</a:t>
+            </a:fld>
+            <a:endParaRPr lang="en-US" dirty="0"/>
+          </a:p>
+        </p:txBody>
+      </p:sp>
     </p:spTree>
     <p:extLst>
       <p:ext uri="{BB962C8B-B14F-4D97-AF65-F5344CB8AC3E}">
@@ -10493,6 +11409,36 @@
           </a:p>
         </p:txBody>
       </p:sp>
+      <p:sp>
+        <p:nvSpPr>
+          <p:cNvPr id="3" name="Zástupný objekt pre číslo snímky 2">
+            <a:extLst>
+              <a:ext uri="{FF2B5EF4-FFF2-40B4-BE49-F238E27FC236}">
+                <a16:creationId xmlns:a16="http://schemas.microsoft.com/office/drawing/2014/main" id="{28370BD7-0A23-4FC1-84DC-46D4D21A10DC}"/>
+              </a:ext>
+            </a:extLst>
+          </p:cNvPr>
+          <p:cNvSpPr>
+            <a:spLocks noGrp="1"/>
+          </p:cNvSpPr>
+          <p:nvPr>
+            <p:ph type="sldNum" sz="quarter" idx="12"/>
+          </p:nvPr>
+        </p:nvSpPr>
+        <p:spPr/>
+        <p:txBody>
+          <a:bodyPr/>
+          <a:lstStyle/>
+          <a:p>
+            <a:fld id="{D57F1E4F-1CFF-5643-939E-217C01CDF565}" type="slidenum">
+              <a:rPr lang="en-US" smtClean="0"/>
+              <a:pPr/>
+              <a:t>27</a:t>
+            </a:fld>
+            <a:endParaRPr lang="en-US" dirty="0"/>
+          </a:p>
+        </p:txBody>
+      </p:sp>
     </p:spTree>
     <p:extLst>
       <p:ext uri="{BB962C8B-B14F-4D97-AF65-F5344CB8AC3E}">
@@ -10633,6 +11579,36 @@
           </a:prstGeom>
         </p:spPr>
       </p:pic>
+      <p:sp>
+        <p:nvSpPr>
+          <p:cNvPr id="5" name="Zástupný objekt pre číslo snímky 4">
+            <a:extLst>
+              <a:ext uri="{FF2B5EF4-FFF2-40B4-BE49-F238E27FC236}">
+                <a16:creationId xmlns:a16="http://schemas.microsoft.com/office/drawing/2014/main" id="{94743D4D-56C6-41A6-8DFB-BD65CB9A75A2}"/>
+              </a:ext>
+            </a:extLst>
+          </p:cNvPr>
+          <p:cNvSpPr>
+            <a:spLocks noGrp="1"/>
+          </p:cNvSpPr>
+          <p:nvPr>
+            <p:ph type="sldNum" sz="quarter" idx="12"/>
+          </p:nvPr>
+        </p:nvSpPr>
+        <p:spPr/>
+        <p:txBody>
+          <a:bodyPr/>
+          <a:lstStyle/>
+          <a:p>
+            <a:fld id="{D57F1E4F-1CFF-5643-939E-217C01CDF565}" type="slidenum">
+              <a:rPr lang="en-US" smtClean="0"/>
+              <a:pPr/>
+              <a:t>3</a:t>
+            </a:fld>
+            <a:endParaRPr lang="en-US" dirty="0"/>
+          </a:p>
+        </p:txBody>
+      </p:sp>
     </p:spTree>
     <p:extLst>
       <p:ext uri="{BB962C8B-B14F-4D97-AF65-F5344CB8AC3E}">
@@ -10770,6 +11746,36 @@
           </a:prstGeom>
         </p:spPr>
       </p:pic>
+      <p:sp>
+        <p:nvSpPr>
+          <p:cNvPr id="5" name="Zástupný objekt pre číslo snímky 4">
+            <a:extLst>
+              <a:ext uri="{FF2B5EF4-FFF2-40B4-BE49-F238E27FC236}">
+                <a16:creationId xmlns:a16="http://schemas.microsoft.com/office/drawing/2014/main" id="{A811C1E3-D581-4DFC-9187-EDC9BE6E4EBB}"/>
+              </a:ext>
+            </a:extLst>
+          </p:cNvPr>
+          <p:cNvSpPr>
+            <a:spLocks noGrp="1"/>
+          </p:cNvSpPr>
+          <p:nvPr>
+            <p:ph type="sldNum" sz="quarter" idx="12"/>
+          </p:nvPr>
+        </p:nvSpPr>
+        <p:spPr/>
+        <p:txBody>
+          <a:bodyPr/>
+          <a:lstStyle/>
+          <a:p>
+            <a:fld id="{D57F1E4F-1CFF-5643-939E-217C01CDF565}" type="slidenum">
+              <a:rPr lang="en-US" smtClean="0"/>
+              <a:pPr/>
+              <a:t>4</a:t>
+            </a:fld>
+            <a:endParaRPr lang="en-US" dirty="0"/>
+          </a:p>
+        </p:txBody>
+      </p:sp>
     </p:spTree>
     <p:extLst>
       <p:ext uri="{BB962C8B-B14F-4D97-AF65-F5344CB8AC3E}">
@@ -10914,6 +11920,36 @@
           </a:prstGeom>
         </p:spPr>
       </p:pic>
+      <p:sp>
+        <p:nvSpPr>
+          <p:cNvPr id="5" name="Zástupný objekt pre číslo snímky 4">
+            <a:extLst>
+              <a:ext uri="{FF2B5EF4-FFF2-40B4-BE49-F238E27FC236}">
+                <a16:creationId xmlns:a16="http://schemas.microsoft.com/office/drawing/2014/main" id="{273AF069-4869-48A3-8090-8846B1658C5E}"/>
+              </a:ext>
+            </a:extLst>
+          </p:cNvPr>
+          <p:cNvSpPr>
+            <a:spLocks noGrp="1"/>
+          </p:cNvSpPr>
+          <p:nvPr>
+            <p:ph type="sldNum" sz="quarter" idx="12"/>
+          </p:nvPr>
+        </p:nvSpPr>
+        <p:spPr/>
+        <p:txBody>
+          <a:bodyPr/>
+          <a:lstStyle/>
+          <a:p>
+            <a:fld id="{D57F1E4F-1CFF-5643-939E-217C01CDF565}" type="slidenum">
+              <a:rPr lang="en-US" smtClean="0"/>
+              <a:pPr/>
+              <a:t>5</a:t>
+            </a:fld>
+            <a:endParaRPr lang="en-US" dirty="0"/>
+          </a:p>
+        </p:txBody>
+      </p:sp>
     </p:spTree>
     <p:extLst>
       <p:ext uri="{BB962C8B-B14F-4D97-AF65-F5344CB8AC3E}">
@@ -11058,6 +12094,36 @@
           </a:prstGeom>
         </p:spPr>
       </p:pic>
+      <p:sp>
+        <p:nvSpPr>
+          <p:cNvPr id="5" name="Zástupný objekt pre číslo snímky 4">
+            <a:extLst>
+              <a:ext uri="{FF2B5EF4-FFF2-40B4-BE49-F238E27FC236}">
+                <a16:creationId xmlns:a16="http://schemas.microsoft.com/office/drawing/2014/main" id="{C3B5B56B-87BC-45DE-9E13-7D725557D445}"/>
+              </a:ext>
+            </a:extLst>
+          </p:cNvPr>
+          <p:cNvSpPr>
+            <a:spLocks noGrp="1"/>
+          </p:cNvSpPr>
+          <p:nvPr>
+            <p:ph type="sldNum" sz="quarter" idx="12"/>
+          </p:nvPr>
+        </p:nvSpPr>
+        <p:spPr/>
+        <p:txBody>
+          <a:bodyPr/>
+          <a:lstStyle/>
+          <a:p>
+            <a:fld id="{D57F1E4F-1CFF-5643-939E-217C01CDF565}" type="slidenum">
+              <a:rPr lang="en-US" smtClean="0"/>
+              <a:pPr/>
+              <a:t>6</a:t>
+            </a:fld>
+            <a:endParaRPr lang="en-US" dirty="0"/>
+          </a:p>
+        </p:txBody>
+      </p:sp>
     </p:spTree>
     <p:extLst>
       <p:ext uri="{BB962C8B-B14F-4D97-AF65-F5344CB8AC3E}">
@@ -11202,6 +12268,36 @@
           </a:prstGeom>
         </p:spPr>
       </p:pic>
+      <p:sp>
+        <p:nvSpPr>
+          <p:cNvPr id="5" name="Zástupný objekt pre číslo snímky 4">
+            <a:extLst>
+              <a:ext uri="{FF2B5EF4-FFF2-40B4-BE49-F238E27FC236}">
+                <a16:creationId xmlns:a16="http://schemas.microsoft.com/office/drawing/2014/main" id="{49B88549-CB49-4BD7-A7C0-7F43701FD930}"/>
+              </a:ext>
+            </a:extLst>
+          </p:cNvPr>
+          <p:cNvSpPr>
+            <a:spLocks noGrp="1"/>
+          </p:cNvSpPr>
+          <p:nvPr>
+            <p:ph type="sldNum" sz="quarter" idx="12"/>
+          </p:nvPr>
+        </p:nvSpPr>
+        <p:spPr/>
+        <p:txBody>
+          <a:bodyPr/>
+          <a:lstStyle/>
+          <a:p>
+            <a:fld id="{D57F1E4F-1CFF-5643-939E-217C01CDF565}" type="slidenum">
+              <a:rPr lang="en-US" smtClean="0"/>
+              <a:pPr/>
+              <a:t>7</a:t>
+            </a:fld>
+            <a:endParaRPr lang="en-US" dirty="0"/>
+          </a:p>
+        </p:txBody>
+      </p:sp>
     </p:spTree>
     <p:extLst>
       <p:ext uri="{BB962C8B-B14F-4D97-AF65-F5344CB8AC3E}">
@@ -11346,6 +12442,36 @@
           </a:prstGeom>
         </p:spPr>
       </p:pic>
+      <p:sp>
+        <p:nvSpPr>
+          <p:cNvPr id="6" name="Zástupný objekt pre číslo snímky 5">
+            <a:extLst>
+              <a:ext uri="{FF2B5EF4-FFF2-40B4-BE49-F238E27FC236}">
+                <a16:creationId xmlns:a16="http://schemas.microsoft.com/office/drawing/2014/main" id="{DFCA38E2-DE22-4EFA-83C5-0D54F0F7372E}"/>
+              </a:ext>
+            </a:extLst>
+          </p:cNvPr>
+          <p:cNvSpPr>
+            <a:spLocks noGrp="1"/>
+          </p:cNvSpPr>
+          <p:nvPr>
+            <p:ph type="sldNum" sz="quarter" idx="12"/>
+          </p:nvPr>
+        </p:nvSpPr>
+        <p:spPr/>
+        <p:txBody>
+          <a:bodyPr/>
+          <a:lstStyle/>
+          <a:p>
+            <a:fld id="{D57F1E4F-1CFF-5643-939E-217C01CDF565}" type="slidenum">
+              <a:rPr lang="en-US" smtClean="0"/>
+              <a:pPr/>
+              <a:t>8</a:t>
+            </a:fld>
+            <a:endParaRPr lang="en-US" dirty="0"/>
+          </a:p>
+        </p:txBody>
+      </p:sp>
     </p:spTree>
     <p:extLst>
       <p:ext uri="{BB962C8B-B14F-4D97-AF65-F5344CB8AC3E}">
@@ -11490,6 +12616,36 @@
           </a:prstGeom>
         </p:spPr>
       </p:pic>
+      <p:sp>
+        <p:nvSpPr>
+          <p:cNvPr id="5" name="Zástupný objekt pre číslo snímky 4">
+            <a:extLst>
+              <a:ext uri="{FF2B5EF4-FFF2-40B4-BE49-F238E27FC236}">
+                <a16:creationId xmlns:a16="http://schemas.microsoft.com/office/drawing/2014/main" id="{9DC9E245-0873-40B9-81B1-4849BF2DD9AA}"/>
+              </a:ext>
+            </a:extLst>
+          </p:cNvPr>
+          <p:cNvSpPr>
+            <a:spLocks noGrp="1"/>
+          </p:cNvSpPr>
+          <p:nvPr>
+            <p:ph type="sldNum" sz="quarter" idx="12"/>
+          </p:nvPr>
+        </p:nvSpPr>
+        <p:spPr/>
+        <p:txBody>
+          <a:bodyPr/>
+          <a:lstStyle/>
+          <a:p>
+            <a:fld id="{D57F1E4F-1CFF-5643-939E-217C01CDF565}" type="slidenum">
+              <a:rPr lang="en-US" smtClean="0"/>
+              <a:pPr/>
+              <a:t>9</a:t>
+            </a:fld>
+            <a:endParaRPr lang="en-US" dirty="0"/>
+          </a:p>
+        </p:txBody>
+      </p:sp>
     </p:spTree>
     <p:extLst>
       <p:ext uri="{BB962C8B-B14F-4D97-AF65-F5344CB8AC3E}">
@@ -11744,4 +12900,299 @@
     </a:ext>
   </a:extLst>
 </a:theme>
+</file>
+
+<file path=ppt/theme/theme2.xml><?xml version="1.0" encoding="utf-8"?>
+<a:theme xmlns:a="http://schemas.openxmlformats.org/drawingml/2006/main" name="Motív balíka Office">
+  <a:themeElements>
+    <a:clrScheme name="Office">
+      <a:dk1>
+        <a:sysClr val="windowText" lastClr="000000"/>
+      </a:dk1>
+      <a:lt1>
+        <a:sysClr val="window" lastClr="FFFFFF"/>
+      </a:lt1>
+      <a:dk2>
+        <a:srgbClr val="44546A"/>
+      </a:dk2>
+      <a:lt2>
+        <a:srgbClr val="E7E6E6"/>
+      </a:lt2>
+      <a:accent1>
+        <a:srgbClr val="4472C4"/>
+      </a:accent1>
+      <a:accent2>
+        <a:srgbClr val="ED7D31"/>
+      </a:accent2>
+      <a:accent3>
+        <a:srgbClr val="A5A5A5"/>
+      </a:accent3>
+      <a:accent4>
+        <a:srgbClr val="FFC000"/>
+      </a:accent4>
+      <a:accent5>
+        <a:srgbClr val="5B9BD5"/>
+      </a:accent5>
+      <a:accent6>
+        <a:srgbClr val="70AD47"/>
+      </a:accent6>
+      <a:hlink>
+        <a:srgbClr val="0563C1"/>
+      </a:hlink>
+      <a:folHlink>
+        <a:srgbClr val="954F72"/>
+      </a:folHlink>
+    </a:clrScheme>
+    <a:fontScheme name="Office">
+      <a:majorFont>
+        <a:latin typeface="Calibri Light" panose="020F0302020204030204"/>
+        <a:ea typeface=""/>
+        <a:cs typeface=""/>
+        <a:font script="Jpan" typeface="游ゴシック Light"/>
+        <a:font script="Hang" typeface="맑은 고딕"/>
+        <a:font script="Hans" typeface="等线 Light"/>
+        <a:font script="Hant" typeface="新細明體"/>
+        <a:font script="Arab" typeface="Times New Roman"/>
+        <a:font script="Hebr" typeface="Times New Roman"/>
+        <a:font script="Thai" typeface="Angsana New"/>
+        <a:font script="Ethi" typeface="Nyala"/>
+        <a:font script="Beng" typeface="Vrinda"/>
+        <a:font script="Gujr" typeface="Shruti"/>
+        <a:font script="Khmr" typeface="MoolBoran"/>
+        <a:font script="Knda" typeface="Tunga"/>
+        <a:font script="Guru" typeface="Raavi"/>
+        <a:font script="Cans" typeface="Euphemia"/>
+        <a:font script="Cher" typeface="Plantagenet Cherokee"/>
+        <a:font script="Yiii" typeface="Microsoft Yi Baiti"/>
+        <a:font script="Tibt" typeface="Microsoft Himalaya"/>
+        <a:font script="Thaa" typeface="MV Boli"/>
+        <a:font script="Deva" typeface="Mangal"/>
+        <a:font script="Telu" typeface="Gautami"/>
+        <a:font script="Taml" typeface="Latha"/>
+        <a:font script="Syrc" typeface="Estrangelo Edessa"/>
+        <a:font script="Orya" typeface="Kalinga"/>
+        <a:font script="Mlym" typeface="Kartika"/>
+        <a:font script="Laoo" typeface="DokChampa"/>
+        <a:font script="Sinh" typeface="Iskoola Pota"/>
+        <a:font script="Mong" typeface="Mongolian Baiti"/>
+        <a:font script="Viet" typeface="Times New Roman"/>
+        <a:font script="Uigh" typeface="Microsoft Uighur"/>
+        <a:font script="Geor" typeface="Sylfaen"/>
+        <a:font script="Armn" typeface="Arial"/>
+        <a:font script="Bugi" typeface="Leelawadee UI"/>
+        <a:font script="Bopo" typeface="Microsoft JhengHei"/>
+        <a:font script="Java" typeface="Javanese Text"/>
+        <a:font script="Lisu" typeface="Segoe UI"/>
+        <a:font script="Mymr" typeface="Myanmar Text"/>
+        <a:font script="Nkoo" typeface="Ebrima"/>
+        <a:font script="Olck" typeface="Nirmala UI"/>
+        <a:font script="Osma" typeface="Ebrima"/>
+        <a:font script="Phag" typeface="Phagspa"/>
+        <a:font script="Syrn" typeface="Estrangelo Edessa"/>
+        <a:font script="Syrj" typeface="Estrangelo Edessa"/>
+        <a:font script="Syre" typeface="Estrangelo Edessa"/>
+        <a:font script="Sora" typeface="Nirmala UI"/>
+        <a:font script="Tale" typeface="Microsoft Tai Le"/>
+        <a:font script="Talu" typeface="Microsoft New Tai Lue"/>
+        <a:font script="Tfng" typeface="Ebrima"/>
+      </a:majorFont>
+      <a:minorFont>
+        <a:latin typeface="Calibri" panose="020F0502020204030204"/>
+        <a:ea typeface=""/>
+        <a:cs typeface=""/>
+        <a:font script="Jpan" typeface="游ゴシック"/>
+        <a:font script="Hang" typeface="맑은 고딕"/>
+        <a:font script="Hans" typeface="等线"/>
+        <a:font script="Hant" typeface="新細明體"/>
+        <a:font script="Arab" typeface="Arial"/>
+        <a:font script="Hebr" typeface="Arial"/>
+        <a:font script="Thai" typeface="Cordia New"/>
+        <a:font script="Ethi" typeface="Nyala"/>
+        <a:font script="Beng" typeface="Vrinda"/>
+        <a:font script="Gujr" typeface="Shruti"/>
+        <a:font script="Khmr" typeface="DaunPenh"/>
+        <a:font script="Knda" typeface="Tunga"/>
+        <a:font script="Guru" typeface="Raavi"/>
+        <a:font script="Cans" typeface="Euphemia"/>
+        <a:font script="Cher" typeface="Plantagenet Cherokee"/>
+        <a:font script="Yiii" typeface="Microsoft Yi Baiti"/>
+        <a:font script="Tibt" typeface="Microsoft Himalaya"/>
+        <a:font script="Thaa" typeface="MV Boli"/>
+        <a:font script="Deva" typeface="Mangal"/>
+        <a:font script="Telu" typeface="Gautami"/>
+        <a:font script="Taml" typeface="Latha"/>
+        <a:font script="Syrc" typeface="Estrangelo Edessa"/>
+        <a:font script="Orya" typeface="Kalinga"/>
+        <a:font script="Mlym" typeface="Kartika"/>
+        <a:font script="Laoo" typeface="DokChampa"/>
+        <a:font script="Sinh" typeface="Iskoola Pota"/>
+        <a:font script="Mong" typeface="Mongolian Baiti"/>
+        <a:font script="Viet" typeface="Arial"/>
+        <a:font script="Uigh" typeface="Microsoft Uighur"/>
+        <a:font script="Geor" typeface="Sylfaen"/>
+        <a:font script="Armn" typeface="Arial"/>
+        <a:font script="Bugi" typeface="Leelawadee UI"/>
+        <a:font script="Bopo" typeface="Microsoft JhengHei"/>
+        <a:font script="Java" typeface="Javanese Text"/>
+        <a:font script="Lisu" typeface="Segoe UI"/>
+        <a:font script="Mymr" typeface="Myanmar Text"/>
+        <a:font script="Nkoo" typeface="Ebrima"/>
+        <a:font script="Olck" typeface="Nirmala UI"/>
+        <a:font script="Osma" typeface="Ebrima"/>
+        <a:font script="Phag" typeface="Phagspa"/>
+        <a:font script="Syrn" typeface="Estrangelo Edessa"/>
+        <a:font script="Syrj" typeface="Estrangelo Edessa"/>
+        <a:font script="Syre" typeface="Estrangelo Edessa"/>
+        <a:font script="Sora" typeface="Nirmala UI"/>
+        <a:font script="Tale" typeface="Microsoft Tai Le"/>
+        <a:font script="Talu" typeface="Microsoft New Tai Lue"/>
+        <a:font script="Tfng" typeface="Ebrima"/>
+      </a:minorFont>
+    </a:fontScheme>
+    <a:fmtScheme name="Office">
+      <a:fillStyleLst>
+        <a:solidFill>
+          <a:schemeClr val="phClr"/>
+        </a:solidFill>
+        <a:gradFill rotWithShape="1">
+          <a:gsLst>
+            <a:gs pos="0">
+              <a:schemeClr val="phClr">
+                <a:lumMod val="110000"/>
+                <a:satMod val="105000"/>
+                <a:tint val="67000"/>
+              </a:schemeClr>
+            </a:gs>
+            <a:gs pos="50000">
+              <a:schemeClr val="phClr">
+                <a:lumMod val="105000"/>
+                <a:satMod val="103000"/>
+                <a:tint val="73000"/>
+              </a:schemeClr>
+            </a:gs>
+            <a:gs pos="100000">
+              <a:schemeClr val="phClr">
+                <a:lumMod val="105000"/>
+                <a:satMod val="109000"/>
+                <a:tint val="81000"/>
+              </a:schemeClr>
+            </a:gs>
+          </a:gsLst>
+          <a:lin ang="5400000" scaled="0"/>
+        </a:gradFill>
+        <a:gradFill rotWithShape="1">
+          <a:gsLst>
+            <a:gs pos="0">
+              <a:schemeClr val="phClr">
+                <a:satMod val="103000"/>
+                <a:lumMod val="102000"/>
+                <a:tint val="94000"/>
+              </a:schemeClr>
+            </a:gs>
+            <a:gs pos="50000">
+              <a:schemeClr val="phClr">
+                <a:satMod val="110000"/>
+                <a:lumMod val="100000"/>
+                <a:shade val="100000"/>
+              </a:schemeClr>
+            </a:gs>
+            <a:gs pos="100000">
+              <a:schemeClr val="phClr">
+                <a:lumMod val="99000"/>
+                <a:satMod val="120000"/>
+                <a:shade val="78000"/>
+              </a:schemeClr>
+            </a:gs>
+          </a:gsLst>
+          <a:lin ang="5400000" scaled="0"/>
+        </a:gradFill>
+      </a:fillStyleLst>
+      <a:lnStyleLst>
+        <a:ln w="6350" cap="flat" cmpd="sng" algn="ctr">
+          <a:solidFill>
+            <a:schemeClr val="phClr"/>
+          </a:solidFill>
+          <a:prstDash val="solid"/>
+          <a:miter lim="800000"/>
+        </a:ln>
+        <a:ln w="12700" cap="flat" cmpd="sng" algn="ctr">
+          <a:solidFill>
+            <a:schemeClr val="phClr"/>
+          </a:solidFill>
+          <a:prstDash val="solid"/>
+          <a:miter lim="800000"/>
+        </a:ln>
+        <a:ln w="19050" cap="flat" cmpd="sng" algn="ctr">
+          <a:solidFill>
+            <a:schemeClr val="phClr"/>
+          </a:solidFill>
+          <a:prstDash val="solid"/>
+          <a:miter lim="800000"/>
+        </a:ln>
+      </a:lnStyleLst>
+      <a:effectStyleLst>
+        <a:effectStyle>
+          <a:effectLst/>
+        </a:effectStyle>
+        <a:effectStyle>
+          <a:effectLst/>
+        </a:effectStyle>
+        <a:effectStyle>
+          <a:effectLst>
+            <a:outerShdw blurRad="57150" dist="19050" dir="5400000" algn="ctr" rotWithShape="0">
+              <a:srgbClr val="000000">
+                <a:alpha val="63000"/>
+              </a:srgbClr>
+            </a:outerShdw>
+          </a:effectLst>
+        </a:effectStyle>
+      </a:effectStyleLst>
+      <a:bgFillStyleLst>
+        <a:solidFill>
+          <a:schemeClr val="phClr"/>
+        </a:solidFill>
+        <a:solidFill>
+          <a:schemeClr val="phClr">
+            <a:tint val="95000"/>
+            <a:satMod val="170000"/>
+          </a:schemeClr>
+        </a:solidFill>
+        <a:gradFill rotWithShape="1">
+          <a:gsLst>
+            <a:gs pos="0">
+              <a:schemeClr val="phClr">
+                <a:tint val="93000"/>
+                <a:satMod val="150000"/>
+                <a:shade val="98000"/>
+                <a:lumMod val="102000"/>
+              </a:schemeClr>
+            </a:gs>
+            <a:gs pos="50000">
+              <a:schemeClr val="phClr">
+                <a:tint val="98000"/>
+                <a:satMod val="130000"/>
+                <a:shade val="90000"/>
+                <a:lumMod val="103000"/>
+              </a:schemeClr>
+            </a:gs>
+            <a:gs pos="100000">
+              <a:schemeClr val="phClr">
+                <a:shade val="63000"/>
+                <a:satMod val="120000"/>
+              </a:schemeClr>
+            </a:gs>
+          </a:gsLst>
+          <a:lin ang="5400000" scaled="0"/>
+        </a:gradFill>
+      </a:bgFillStyleLst>
+    </a:fmtScheme>
+  </a:themeElements>
+  <a:objectDefaults/>
+  <a:extraClrSchemeLst/>
+  <a:extLst>
+    <a:ext uri="{05A4C25C-085E-4340-85A3-A5531E510DB2}">
+      <thm15:themeFamily xmlns:thm15="http://schemas.microsoft.com/office/thememl/2012/main" name="Office Theme" id="{62F939B6-93AF-4DB8-9C6B-D6C7DFDC589F}" vid="{4A3C46E8-61CC-4603-A589-7422A47A8E4A}"/>
+    </a:ext>
+  </a:extLst>
+</a:theme>
 </file>
--- a/WoodMasterPrezentacia.pptx
+++ b/WoodMasterPrezentacia.pptx
@@ -8701,7 +8701,7 @@
               <a:rPr lang="sk-SK" sz="4800" dirty="0">
                 <a:latin typeface="Trebuchet MS" panose="020B0603020202020204" pitchFamily="34" charset="0"/>
               </a:rPr>
-              <a:t> diagram – Pridávanie údajov</a:t>
+              <a:t> diagram – Priradenie práce</a:t>
             </a:r>
           </a:p>
         </p:txBody>
@@ -8759,12 +8759,42 @@
           </a:prstGeom>
         </p:spPr>
       </p:pic>
+      <p:sp>
+        <p:nvSpPr>
+          <p:cNvPr id="6" name="Zástupný objekt pre číslo snímky 5">
+            <a:extLst>
+              <a:ext uri="{FF2B5EF4-FFF2-40B4-BE49-F238E27FC236}">
+                <a16:creationId xmlns:a16="http://schemas.microsoft.com/office/drawing/2014/main" id="{8D2F3B83-0677-49DE-B709-61DD15E80477}"/>
+              </a:ext>
+            </a:extLst>
+          </p:cNvPr>
+          <p:cNvSpPr>
+            <a:spLocks noGrp="1"/>
+          </p:cNvSpPr>
+          <p:nvPr>
+            <p:ph type="sldNum" sz="quarter" idx="12"/>
+          </p:nvPr>
+        </p:nvSpPr>
+        <p:spPr/>
+        <p:txBody>
+          <a:bodyPr/>
+          <a:lstStyle/>
+          <a:p>
+            <a:fld id="{D57F1E4F-1CFF-5643-939E-217C01CDF565}" type="slidenum">
+              <a:rPr lang="en-US" smtClean="0"/>
+              <a:pPr/>
+              <a:t>12</a:t>
+            </a:fld>
+            <a:endParaRPr lang="en-US" dirty="0"/>
+          </a:p>
+        </p:txBody>
+      </p:sp>
       <p:pic>
         <p:nvPicPr>
-          <p:cNvPr id="5" name="Obrázok 4">
+          <p:cNvPr id="7" name="Obrázok 6">
             <a:extLst>
               <a:ext uri="{FF2B5EF4-FFF2-40B4-BE49-F238E27FC236}">
-                <a16:creationId xmlns:a16="http://schemas.microsoft.com/office/drawing/2014/main" id="{0C38EBE8-6584-4410-AF76-7E5F6E1E2CCB}"/>
+                <a16:creationId xmlns:a16="http://schemas.microsoft.com/office/drawing/2014/main" id="{2319BED6-D6CC-4B1D-894E-04E2868E53DF}"/>
               </a:ext>
             </a:extLst>
           </p:cNvPr>
@@ -8781,44 +8811,14 @@
         </p:blipFill>
         <p:spPr>
           <a:xfrm>
-            <a:off x="3300941" y="1600268"/>
-            <a:ext cx="5590117" cy="5257732"/>
+            <a:off x="3243262" y="1562100"/>
+            <a:ext cx="5705475" cy="5295900"/>
           </a:xfrm>
           <a:prstGeom prst="rect">
             <a:avLst/>
           </a:prstGeom>
         </p:spPr>
       </p:pic>
-      <p:sp>
-        <p:nvSpPr>
-          <p:cNvPr id="6" name="Zástupný objekt pre číslo snímky 5">
-            <a:extLst>
-              <a:ext uri="{FF2B5EF4-FFF2-40B4-BE49-F238E27FC236}">
-                <a16:creationId xmlns:a16="http://schemas.microsoft.com/office/drawing/2014/main" id="{8D2F3B83-0677-49DE-B709-61DD15E80477}"/>
-              </a:ext>
-            </a:extLst>
-          </p:cNvPr>
-          <p:cNvSpPr>
-            <a:spLocks noGrp="1"/>
-          </p:cNvSpPr>
-          <p:nvPr>
-            <p:ph type="sldNum" sz="quarter" idx="12"/>
-          </p:nvPr>
-        </p:nvSpPr>
-        <p:spPr/>
-        <p:txBody>
-          <a:bodyPr/>
-          <a:lstStyle/>
-          <a:p>
-            <a:fld id="{D57F1E4F-1CFF-5643-939E-217C01CDF565}" type="slidenum">
-              <a:rPr lang="en-US" smtClean="0"/>
-              <a:pPr/>
-              <a:t>12</a:t>
-            </a:fld>
-            <a:endParaRPr lang="en-US" dirty="0"/>
-          </a:p>
-        </p:txBody>
-      </p:sp>
     </p:spTree>
     <p:extLst>
       <p:ext uri="{BB962C8B-B14F-4D97-AF65-F5344CB8AC3E}">
@@ -11992,7 +11992,7 @@
         </p:nvSpPr>
         <p:spPr>
           <a:xfrm>
-            <a:off x="2008038" y="574683"/>
+            <a:off x="1640155" y="642932"/>
             <a:ext cx="8911687" cy="1280890"/>
           </a:xfrm>
         </p:spPr>
@@ -12006,7 +12006,7 @@
               <a:rPr lang="sk-SK" sz="4800" dirty="0">
                 <a:latin typeface="Trebuchet MS" panose="020B0603020202020204" pitchFamily="34" charset="0"/>
               </a:rPr>
-              <a:t>Biznis model – výber techniky</a:t>
+              <a:t>Biznis model – priradenie práce</a:t>
             </a:r>
           </a:p>
         </p:txBody>

--- a/WoodMasterPrezentacia.pptx
+++ b/WoodMasterPrezentacia.pptx
@@ -223,7 +223,7 @@
           <a:p>
             <a:fld id="{E54C3931-9DA2-411A-BBB8-5C57DD106CCA}" type="datetimeFigureOut">
               <a:rPr lang="sk-SK" smtClean="0"/>
-              <a:t>11. 12. 2018</a:t>
+              <a:t>12. 12. 2018</a:t>
             </a:fld>
             <a:endParaRPr lang="sk-SK"/>
           </a:p>
@@ -678,7 +678,7 @@
           <a:p>
             <a:fld id="{3D9D02A7-7C25-4B80-8554-198777AB74E7}" type="datetime1">
               <a:rPr lang="en-US" smtClean="0"/>
-              <a:t>12/11/2018</a:t>
+              <a:t>12/12/2018</a:t>
             </a:fld>
             <a:endParaRPr lang="en-US" dirty="0"/>
           </a:p>
@@ -1022,7 +1022,7 @@
           <a:p>
             <a:fld id="{57E87860-45DB-4816-B4BC-0F54C7AD5439}" type="datetime1">
               <a:rPr lang="en-US" smtClean="0"/>
-              <a:t>12/11/2018</a:t>
+              <a:t>12/12/2018</a:t>
             </a:fld>
             <a:endParaRPr lang="en-US" dirty="0"/>
           </a:p>
@@ -1429,7 +1429,7 @@
           <a:p>
             <a:fld id="{8E4A5F4D-5D94-4685-AE2B-E54157AEA467}" type="datetime1">
               <a:rPr lang="en-US" smtClean="0"/>
-              <a:t>12/11/2018</a:t>
+              <a:t>12/12/2018</a:t>
             </a:fld>
             <a:endParaRPr lang="en-US" dirty="0"/>
           </a:p>
@@ -1771,7 +1771,7 @@
           <a:p>
             <a:fld id="{959205CF-414B-4AD5-9AD0-CA1FE878C877}" type="datetime1">
               <a:rPr lang="en-US" smtClean="0"/>
-              <a:t>12/11/2018</a:t>
+              <a:t>12/12/2018</a:t>
             </a:fld>
             <a:endParaRPr lang="en-US" dirty="0"/>
           </a:p>
@@ -2097,7 +2097,7 @@
           <a:p>
             <a:fld id="{D991B575-D7F9-41EE-AE12-6EEBC6996A30}" type="datetime1">
               <a:rPr lang="en-US" smtClean="0"/>
-              <a:t>12/11/2018</a:t>
+              <a:t>12/12/2018</a:t>
             </a:fld>
             <a:endParaRPr lang="en-US" dirty="0"/>
           </a:p>
@@ -2499,7 +2499,7 @@
           <a:p>
             <a:fld id="{20902FC2-3C30-4032-A37F-0ABFDBBB779F}" type="datetime1">
               <a:rPr lang="en-US" smtClean="0"/>
-              <a:t>12/11/2018</a:t>
+              <a:t>12/12/2018</a:t>
             </a:fld>
             <a:endParaRPr lang="en-US" dirty="0"/>
           </a:p>
@@ -2762,7 +2762,7 @@
           <a:p>
             <a:fld id="{863F6BBD-C0F4-4AF3-901A-2641C29B7185}" type="datetime1">
               <a:rPr lang="en-US" smtClean="0"/>
-              <a:t>12/11/2018</a:t>
+              <a:t>12/12/2018</a:t>
             </a:fld>
             <a:endParaRPr lang="en-US" dirty="0"/>
           </a:p>
@@ -3030,7 +3030,7 @@
           <a:p>
             <a:fld id="{53889CFE-FA1F-4F35-917E-8BB0038E7AE2}" type="datetime1">
               <a:rPr lang="en-US" smtClean="0"/>
-              <a:t>12/11/2018</a:t>
+              <a:t>12/12/2018</a:t>
             </a:fld>
             <a:endParaRPr lang="en-US" dirty="0"/>
           </a:p>
@@ -3298,7 +3298,7 @@
           <a:p>
             <a:fld id="{FC690229-DC32-48FD-8C2D-66CDA820A1E7}" type="datetime1">
               <a:rPr lang="en-US" smtClean="0"/>
-              <a:t>12/11/2018</a:t>
+              <a:t>12/12/2018</a:t>
             </a:fld>
             <a:endParaRPr lang="en-US" dirty="0"/>
           </a:p>
@@ -3633,7 +3633,7 @@
           <a:p>
             <a:fld id="{427FD1F1-FCDF-45C7-A637-2C6C539D843A}" type="datetime1">
               <a:rPr lang="en-US" smtClean="0"/>
-              <a:t>12/11/2018</a:t>
+              <a:t>12/12/2018</a:t>
             </a:fld>
             <a:endParaRPr lang="en-US" dirty="0"/>
           </a:p>
@@ -3962,7 +3962,7 @@
           <a:p>
             <a:fld id="{D69421F5-D3E9-4116-91E5-5F8A3577ABC0}" type="datetime1">
               <a:rPr lang="en-US" smtClean="0"/>
-              <a:t>12/11/2018</a:t>
+              <a:t>12/12/2018</a:t>
             </a:fld>
             <a:endParaRPr lang="en-US" dirty="0"/>
           </a:p>
@@ -4425,7 +4425,7 @@
           <a:p>
             <a:fld id="{82D3AEEF-177B-4603-A812-4BC860927C6C}" type="datetime1">
               <a:rPr lang="en-US" smtClean="0"/>
-              <a:t>12/11/2018</a:t>
+              <a:t>12/12/2018</a:t>
             </a:fld>
             <a:endParaRPr lang="en-US" dirty="0"/>
           </a:p>
@@ -4636,7 +4636,7 @@
           <a:p>
             <a:fld id="{9A73DA17-0B88-47D5-89A6-7D211E173A21}" type="datetime1">
               <a:rPr lang="en-US" smtClean="0"/>
-              <a:t>12/11/2018</a:t>
+              <a:t>12/12/2018</a:t>
             </a:fld>
             <a:endParaRPr lang="en-US" dirty="0"/>
           </a:p>
@@ -4819,7 +4819,7 @@
           <a:p>
             <a:fld id="{7659A2C2-4689-47A4-AC3E-20C51D17E0AD}" type="datetime1">
               <a:rPr lang="en-US" smtClean="0"/>
-              <a:t>12/11/2018</a:t>
+              <a:t>12/12/2018</a:t>
             </a:fld>
             <a:endParaRPr lang="en-US" dirty="0"/>
           </a:p>
@@ -5158,7 +5158,7 @@
           <a:p>
             <a:fld id="{315E0C4A-C4B1-4159-94A9-2A24D43934C0}" type="datetime1">
               <a:rPr lang="en-US" smtClean="0"/>
-              <a:t>12/11/2018</a:t>
+              <a:t>12/12/2018</a:t>
             </a:fld>
             <a:endParaRPr lang="en-US" dirty="0"/>
           </a:p>
@@ -5509,7 +5509,7 @@
           <a:p>
             <a:fld id="{62C27EC3-4C92-4D74-8D1A-8EED47A42840}" type="datetime1">
               <a:rPr lang="en-US" smtClean="0"/>
-              <a:t>12/11/2018</a:t>
+              <a:t>12/12/2018</a:t>
             </a:fld>
             <a:endParaRPr lang="en-US" dirty="0"/>
           </a:p>
@@ -7632,7 +7632,7 @@
           <a:p>
             <a:fld id="{6F0C6549-4C17-4D62-A30A-76FF98759B95}" type="datetime1">
               <a:rPr lang="en-US" smtClean="0"/>
-              <a:t>12/11/2018</a:t>
+              <a:t>12/12/2018</a:t>
             </a:fld>
             <a:endParaRPr lang="en-US" dirty="0"/>
           </a:p>
@@ -10994,12 +10994,42 @@
           </a:prstGeom>
         </p:spPr>
       </p:pic>
+      <p:sp>
+        <p:nvSpPr>
+          <p:cNvPr id="5" name="Zástupný objekt pre číslo snímky 4">
+            <a:extLst>
+              <a:ext uri="{FF2B5EF4-FFF2-40B4-BE49-F238E27FC236}">
+                <a16:creationId xmlns:a16="http://schemas.microsoft.com/office/drawing/2014/main" id="{2DA893C4-A62A-4B89-A887-535EA1372AE4}"/>
+              </a:ext>
+            </a:extLst>
+          </p:cNvPr>
+          <p:cNvSpPr>
+            <a:spLocks noGrp="1"/>
+          </p:cNvSpPr>
+          <p:nvPr>
+            <p:ph type="sldNum" sz="quarter" idx="12"/>
+          </p:nvPr>
+        </p:nvSpPr>
+        <p:spPr/>
+        <p:txBody>
+          <a:bodyPr/>
+          <a:lstStyle/>
+          <a:p>
+            <a:fld id="{D57F1E4F-1CFF-5643-939E-217C01CDF565}" type="slidenum">
+              <a:rPr lang="en-US" smtClean="0"/>
+              <a:pPr/>
+              <a:t>24</a:t>
+            </a:fld>
+            <a:endParaRPr lang="en-US" dirty="0"/>
+          </a:p>
+        </p:txBody>
+      </p:sp>
       <p:pic>
         <p:nvPicPr>
-          <p:cNvPr id="8" name="Obrázok 7">
+          <p:cNvPr id="6" name="Obrázok 5">
             <a:extLst>
               <a:ext uri="{FF2B5EF4-FFF2-40B4-BE49-F238E27FC236}">
-                <a16:creationId xmlns:a16="http://schemas.microsoft.com/office/drawing/2014/main" id="{76102C3A-79B7-48E1-90F0-F91E55EFDF10}"/>
+                <a16:creationId xmlns:a16="http://schemas.microsoft.com/office/drawing/2014/main" id="{0E35321B-6CEF-456E-9B92-E300D978A56C}"/>
               </a:ext>
             </a:extLst>
           </p:cNvPr>
@@ -11016,44 +11046,14 @@
         </p:blipFill>
         <p:spPr>
           <a:xfrm>
-            <a:off x="1517968" y="0"/>
-            <a:ext cx="9156063" cy="6858000"/>
+            <a:off x="352869" y="0"/>
+            <a:ext cx="11486262" cy="6858000"/>
           </a:xfrm>
           <a:prstGeom prst="rect">
             <a:avLst/>
           </a:prstGeom>
         </p:spPr>
       </p:pic>
-      <p:sp>
-        <p:nvSpPr>
-          <p:cNvPr id="5" name="Zástupný objekt pre číslo snímky 4">
-            <a:extLst>
-              <a:ext uri="{FF2B5EF4-FFF2-40B4-BE49-F238E27FC236}">
-                <a16:creationId xmlns:a16="http://schemas.microsoft.com/office/drawing/2014/main" id="{2DA893C4-A62A-4B89-A887-535EA1372AE4}"/>
-              </a:ext>
-            </a:extLst>
-          </p:cNvPr>
-          <p:cNvSpPr>
-            <a:spLocks noGrp="1"/>
-          </p:cNvSpPr>
-          <p:nvPr>
-            <p:ph type="sldNum" sz="quarter" idx="12"/>
-          </p:nvPr>
-        </p:nvSpPr>
-        <p:spPr/>
-        <p:txBody>
-          <a:bodyPr/>
-          <a:lstStyle/>
-          <a:p>
-            <a:fld id="{D57F1E4F-1CFF-5643-939E-217C01CDF565}" type="slidenum">
-              <a:rPr lang="en-US" smtClean="0"/>
-              <a:pPr/>
-              <a:t>24</a:t>
-            </a:fld>
-            <a:endParaRPr lang="en-US" dirty="0"/>
-          </a:p>
-        </p:txBody>
-      </p:sp>
     </p:spTree>
     <p:extLst>
       <p:ext uri="{BB962C8B-B14F-4D97-AF65-F5344CB8AC3E}">
